--- a/ppt/MYSQL 조인쿼리+GitLab.pptx
+++ b/ppt/MYSQL 조인쿼리+GitLab.pptx
@@ -266,7 +266,7 @@
           <a:p>
             <a:fld id="{A073E28B-27B7-4596-8EB0-D2A87B1A7050}" type="datetimeFigureOut">
               <a:rPr lang="ko-KR" altLang="en-US" smtClean="0"/>
-              <a:t>2021-07-12</a:t>
+              <a:t>2021-07-13</a:t>
             </a:fld>
             <a:endParaRPr lang="ko-KR" altLang="en-US"/>
           </a:p>
@@ -464,7 +464,7 @@
           <a:p>
             <a:fld id="{A073E28B-27B7-4596-8EB0-D2A87B1A7050}" type="datetimeFigureOut">
               <a:rPr lang="ko-KR" altLang="en-US" smtClean="0"/>
-              <a:t>2021-07-12</a:t>
+              <a:t>2021-07-13</a:t>
             </a:fld>
             <a:endParaRPr lang="ko-KR" altLang="en-US"/>
           </a:p>
@@ -672,7 +672,7 @@
           <a:p>
             <a:fld id="{A073E28B-27B7-4596-8EB0-D2A87B1A7050}" type="datetimeFigureOut">
               <a:rPr lang="ko-KR" altLang="en-US" smtClean="0"/>
-              <a:t>2021-07-12</a:t>
+              <a:t>2021-07-13</a:t>
             </a:fld>
             <a:endParaRPr lang="ko-KR" altLang="en-US"/>
           </a:p>
@@ -870,7 +870,7 @@
           <a:p>
             <a:fld id="{A073E28B-27B7-4596-8EB0-D2A87B1A7050}" type="datetimeFigureOut">
               <a:rPr lang="ko-KR" altLang="en-US" smtClean="0"/>
-              <a:t>2021-07-12</a:t>
+              <a:t>2021-07-13</a:t>
             </a:fld>
             <a:endParaRPr lang="ko-KR" altLang="en-US"/>
           </a:p>
@@ -1145,7 +1145,7 @@
           <a:p>
             <a:fld id="{A073E28B-27B7-4596-8EB0-D2A87B1A7050}" type="datetimeFigureOut">
               <a:rPr lang="ko-KR" altLang="en-US" smtClean="0"/>
-              <a:t>2021-07-12</a:t>
+              <a:t>2021-07-13</a:t>
             </a:fld>
             <a:endParaRPr lang="ko-KR" altLang="en-US"/>
           </a:p>
@@ -1410,7 +1410,7 @@
           <a:p>
             <a:fld id="{A073E28B-27B7-4596-8EB0-D2A87B1A7050}" type="datetimeFigureOut">
               <a:rPr lang="ko-KR" altLang="en-US" smtClean="0"/>
-              <a:t>2021-07-12</a:t>
+              <a:t>2021-07-13</a:t>
             </a:fld>
             <a:endParaRPr lang="ko-KR" altLang="en-US"/>
           </a:p>
@@ -1822,7 +1822,7 @@
           <a:p>
             <a:fld id="{A073E28B-27B7-4596-8EB0-D2A87B1A7050}" type="datetimeFigureOut">
               <a:rPr lang="ko-KR" altLang="en-US" smtClean="0"/>
-              <a:t>2021-07-12</a:t>
+              <a:t>2021-07-13</a:t>
             </a:fld>
             <a:endParaRPr lang="ko-KR" altLang="en-US"/>
           </a:p>
@@ -1963,7 +1963,7 @@
           <a:p>
             <a:fld id="{A073E28B-27B7-4596-8EB0-D2A87B1A7050}" type="datetimeFigureOut">
               <a:rPr lang="ko-KR" altLang="en-US" smtClean="0"/>
-              <a:t>2021-07-12</a:t>
+              <a:t>2021-07-13</a:t>
             </a:fld>
             <a:endParaRPr lang="ko-KR" altLang="en-US"/>
           </a:p>
@@ -2076,7 +2076,7 @@
           <a:p>
             <a:fld id="{A073E28B-27B7-4596-8EB0-D2A87B1A7050}" type="datetimeFigureOut">
               <a:rPr lang="ko-KR" altLang="en-US" smtClean="0"/>
-              <a:t>2021-07-12</a:t>
+              <a:t>2021-07-13</a:t>
             </a:fld>
             <a:endParaRPr lang="ko-KR" altLang="en-US"/>
           </a:p>
@@ -2387,7 +2387,7 @@
           <a:p>
             <a:fld id="{A073E28B-27B7-4596-8EB0-D2A87B1A7050}" type="datetimeFigureOut">
               <a:rPr lang="ko-KR" altLang="en-US" smtClean="0"/>
-              <a:t>2021-07-12</a:t>
+              <a:t>2021-07-13</a:t>
             </a:fld>
             <a:endParaRPr lang="ko-KR" altLang="en-US"/>
           </a:p>
@@ -2675,7 +2675,7 @@
           <a:p>
             <a:fld id="{A073E28B-27B7-4596-8EB0-D2A87B1A7050}" type="datetimeFigureOut">
               <a:rPr lang="ko-KR" altLang="en-US" smtClean="0"/>
-              <a:t>2021-07-12</a:t>
+              <a:t>2021-07-13</a:t>
             </a:fld>
             <a:endParaRPr lang="ko-KR" altLang="en-US"/>
           </a:p>
@@ -2916,7 +2916,7 @@
           <a:p>
             <a:fld id="{A073E28B-27B7-4596-8EB0-D2A87B1A7050}" type="datetimeFigureOut">
               <a:rPr lang="ko-KR" altLang="en-US" smtClean="0"/>
-              <a:t>2021-07-12</a:t>
+              <a:t>2021-07-13</a:t>
             </a:fld>
             <a:endParaRPr lang="ko-KR" altLang="en-US"/>
           </a:p>
@@ -3349,7 +3349,12 @@
             <p:ph type="ctrTitle"/>
           </p:nvPr>
         </p:nvSpPr>
-        <p:spPr/>
+        <p:spPr>
+          <a:xfrm>
+            <a:off x="1524000" y="1122363"/>
+            <a:ext cx="9512300" cy="2387600"/>
+          </a:xfrm>
+        </p:spPr>
         <p:txBody>
           <a:bodyPr/>
           <a:lstStyle/>
@@ -3362,16 +3367,17 @@
               <a:rPr lang="ko-KR" altLang="en-US" dirty="0" err="1"/>
               <a:t>조인쿼리</a:t>
             </a:r>
-            <a:br>
+            <a:r>
+              <a:rPr lang="ko-KR" altLang="en-US" dirty="0"/>
+              <a:t> </a:t>
+            </a:r>
+            <a:r>
               <a:rPr lang="en-US" altLang="ko-KR" dirty="0"/>
-            </a:br>
-            <a:r>
-              <a:rPr lang="en-US" altLang="ko-KR" dirty="0"/>
-              <a:t>+ </a:t>
+              <a:t>&amp; </a:t>
             </a:r>
             <a:r>
               <a:rPr lang="en-US" altLang="ko-KR" dirty="0" err="1"/>
-              <a:t>GItLabFlow</a:t>
+              <a:t>GItLab</a:t>
             </a:r>
             <a:endParaRPr lang="ko-KR" altLang="en-US" dirty="0"/>
           </a:p>
@@ -5914,7 +5920,20 @@
                 <a:effectLst/>
                 <a:latin typeface="+mj-lt"/>
               </a:rPr>
-              <a:t> --SMITH</a:t>
+              <a:t> </a:t>
+            </a:r>
+            <a:r>
+              <a:rPr lang="en-US" altLang="ko-KR" sz="2400" dirty="0">
+                <a:latin typeface="+mj-lt"/>
+              </a:rPr>
+              <a:t>(</a:t>
+            </a:r>
+            <a:r>
+              <a:rPr lang="en-US" altLang="ko-KR" sz="2400" b="0" i="0" dirty="0">
+                <a:effectLst/>
+                <a:latin typeface="+mj-lt"/>
+              </a:rPr>
+              <a:t>SMITH</a:t>
             </a:r>
             <a:r>
               <a:rPr lang="ko-KR" altLang="en-US" sz="2400" b="0" i="0" dirty="0">
@@ -5922,6 +5941,13 @@
                 <a:latin typeface="+mj-lt"/>
               </a:rPr>
               <a:t>와 같은 부서에서 근무하는 사원을 찾는 쿼리</a:t>
+            </a:r>
+            <a:r>
+              <a:rPr lang="en-US" altLang="ko-KR" sz="2400" b="0" i="0" dirty="0">
+                <a:effectLst/>
+                <a:latin typeface="+mj-lt"/>
+              </a:rPr>
+              <a:t>)</a:t>
             </a:r>
             <a:endParaRPr lang="ko-KR" altLang="en-US" sz="2400" dirty="0">
               <a:latin typeface="+mj-lt"/>
@@ -6046,7 +6072,7 @@
         <p:spPr/>
         <p:txBody>
           <a:bodyPr>
-            <a:normAutofit fontScale="92500" lnSpcReduction="10000"/>
+            <a:normAutofit/>
           </a:bodyPr>
           <a:lstStyle/>
           <a:p>
@@ -6077,10 +6103,6 @@
               <a:buNone/>
             </a:pPr>
             <a:r>
-              <a:rPr lang="ko-KR" altLang="en-US" dirty="0"/>
-              <a:t>기존 </a:t>
-            </a:r>
-            <a:r>
               <a:rPr lang="en-US" altLang="ko-KR" dirty="0"/>
               <a:t>Git-Flow</a:t>
             </a:r>
@@ -6102,12 +6124,9 @@
             </a:r>
             <a:r>
               <a:rPr lang="ko-KR" altLang="en-US" dirty="0"/>
-              <a:t> 사용하기 때문에 비교적 복잡하다는 문제점을 갖고 있었다</a:t>
-            </a:r>
-            <a:r>
-              <a:rPr lang="en-US" altLang="ko-KR" dirty="0"/>
-              <a:t>.</a:t>
-            </a:r>
+              <a:t> 사용하기에 복잡하다는 문제점이 있음</a:t>
+            </a:r>
+            <a:endParaRPr lang="en-US" altLang="ko-KR" dirty="0"/>
           </a:p>
           <a:p>
             <a:pPr marL="0" indent="0">
@@ -6120,42 +6139,45 @@
               <a:buNone/>
             </a:pPr>
             <a:r>
-              <a:rPr lang="en-US" altLang="ko-KR" dirty="0"/>
-              <a:t>GitLab-Flow</a:t>
-            </a:r>
-            <a:r>
-              <a:rPr lang="ko-KR" altLang="en-US" dirty="0"/>
-              <a:t>는 이러한 문제점을 해결하기 위해 </a:t>
-            </a:r>
-            <a:endParaRPr lang="en-US" altLang="ko-KR" dirty="0"/>
-          </a:p>
-          <a:p>
-            <a:pPr marL="0" indent="0">
-              <a:buNone/>
-            </a:pPr>
-            <a:r>
-              <a:rPr lang="en-US" altLang="ko-KR" dirty="0"/>
+              <a:rPr lang="en-US" altLang="ko-KR" b="0" i="0" dirty="0">
+                <a:solidFill>
+                  <a:srgbClr val="1C1E21"/>
+                </a:solidFill>
+                <a:effectLst/>
+                <a:latin typeface="system-ui"/>
+              </a:rPr>
               <a:t>GitLab</a:t>
             </a:r>
             <a:r>
-              <a:rPr lang="ko-KR" altLang="en-US" dirty="0"/>
-              <a:t>에서 고안해낸 전략이다</a:t>
-            </a:r>
-            <a:r>
-              <a:rPr lang="en-US" altLang="ko-KR" dirty="0"/>
-              <a:t>.</a:t>
-            </a:r>
-          </a:p>
-          <a:p>
-            <a:pPr marL="0" indent="0">
-              <a:buNone/>
-            </a:pPr>
-            <a:endParaRPr lang="en-US" altLang="ko-KR" dirty="0"/>
-          </a:p>
-          <a:p>
-            <a:pPr marL="0" indent="0">
-              <a:buNone/>
-            </a:pPr>
+              <a:rPr lang="ko-KR" altLang="en-US" b="0" i="0" dirty="0">
+                <a:solidFill>
+                  <a:srgbClr val="1C1E21"/>
+                </a:solidFill>
+                <a:effectLst/>
+                <a:latin typeface="system-ui"/>
+              </a:rPr>
+              <a:t>은 복잡성을 줄이고 개발 프로세스의 효율을 높이고자 </a:t>
+            </a:r>
+            <a:r>
+              <a:rPr lang="en-US" altLang="ko-KR" b="0" i="0" dirty="0">
+                <a:solidFill>
+                  <a:srgbClr val="1C1E21"/>
+                </a:solidFill>
+                <a:effectLst/>
+                <a:latin typeface="system-ui"/>
+              </a:rPr>
+              <a:t>GitLab Flow</a:t>
+            </a:r>
+            <a:r>
+              <a:rPr lang="ko-KR" altLang="en-US" b="0" i="0" dirty="0">
+                <a:solidFill>
+                  <a:srgbClr val="1C1E21"/>
+                </a:solidFill>
+                <a:effectLst/>
+                <a:latin typeface="system-ui"/>
+              </a:rPr>
+              <a:t>를 개발함</a:t>
+            </a:r>
             <a:endParaRPr lang="en-US" altLang="ko-KR" dirty="0"/>
           </a:p>
           <a:p>
@@ -6221,8 +6243,8 @@
           <a:lstStyle/>
           <a:p>
             <a:r>
-              <a:rPr lang="en-US" altLang="ko-KR" dirty="0"/>
-              <a:t>GitLab Flow</a:t>
+              <a:rPr lang="en-US" altLang="ko-KR"/>
+              <a:t>GitLab-flow</a:t>
             </a:r>
             <a:r>
               <a:rPr lang="ko-KR" altLang="en-US" dirty="0"/>
@@ -6250,7 +6272,7 @@
         <p:spPr/>
         <p:txBody>
           <a:bodyPr>
-            <a:normAutofit fontScale="92500" lnSpcReduction="20000"/>
+            <a:normAutofit fontScale="85000" lnSpcReduction="20000"/>
           </a:bodyPr>
           <a:lstStyle/>
           <a:p>
@@ -6273,7 +6295,7 @@
             </a:pPr>
             <a:r>
               <a:rPr lang="en-US" altLang="ko-KR" dirty="0"/>
-              <a:t>Master – </a:t>
+              <a:t>- Master – </a:t>
             </a:r>
             <a:r>
               <a:rPr lang="ko-KR" altLang="en-US" dirty="0"/>
@@ -6291,7 +6313,7 @@
             </a:pPr>
             <a:r>
               <a:rPr lang="en-US" altLang="ko-KR" dirty="0"/>
-              <a:t>Production – </a:t>
+              <a:t>- Production – </a:t>
             </a:r>
             <a:r>
               <a:rPr lang="ko-KR" altLang="en-US" dirty="0"/>
@@ -6309,7 +6331,7 @@
             </a:pPr>
             <a:r>
               <a:rPr lang="en-US" altLang="ko-KR" dirty="0"/>
-              <a:t>Feature – </a:t>
+              <a:t>- Feature – </a:t>
             </a:r>
             <a:r>
               <a:rPr lang="ko-KR" altLang="en-US" dirty="0"/>
@@ -6332,8 +6354,8 @@
               <a:buNone/>
             </a:pPr>
             <a:r>
-              <a:rPr lang="ko-KR" altLang="en-US" dirty="0"/>
-              <a:t>플로우</a:t>
+              <a:rPr lang="ko-KR" altLang="en-US"/>
+              <a:t>순서</a:t>
             </a:r>
             <a:endParaRPr lang="en-US" altLang="ko-KR" dirty="0"/>
           </a:p>
@@ -6347,7 +6369,7 @@
             </a:r>
             <a:r>
               <a:rPr lang="en-US" altLang="ko-KR" dirty="0"/>
-              <a:t>Clone</a:t>
+              <a:t>Clone or Fork</a:t>
             </a:r>
           </a:p>
           <a:p>
@@ -6360,11 +6382,14 @@
             </a:r>
             <a:r>
               <a:rPr lang="ko-KR" altLang="en-US" dirty="0"/>
-              <a:t> 생성하여 개발 진행 </a:t>
-            </a:r>
-            <a:r>
+              <a:t> 생성하여 개발 진행</a:t>
+            </a:r>
+            <a:br>
               <a:rPr lang="en-US" altLang="ko-KR" dirty="0"/>
-              <a:t>(Feature/</a:t>
+            </a:br>
+            <a:r>
+              <a:rPr lang="en-US" altLang="ko-KR" dirty="0"/>
+              <a:t>($git branch Feature/</a:t>
             </a:r>
             <a:r>
               <a:rPr lang="ko-KR" altLang="en-US" dirty="0"/>
@@ -6374,6 +6399,10 @@
               <a:rPr lang="en-US" altLang="ko-KR" dirty="0"/>
               <a:t>– YYMMDD)</a:t>
             </a:r>
+            <a:br>
+              <a:rPr lang="en-US" altLang="ko-KR" dirty="0"/>
+            </a:br>
+            <a:endParaRPr lang="en-US" altLang="ko-KR" dirty="0"/>
           </a:p>
           <a:p>
             <a:pPr marL="514350" indent="-514350">

--- a/ppt/MYSQL 조인쿼리+GitLab.pptx
+++ b/ppt/MYSQL 조인쿼리+GitLab.pptx
@@ -3360,10 +3360,6 @@
           <a:lstStyle/>
           <a:p>
             <a:r>
-              <a:rPr lang="en-US" altLang="ko-KR" dirty="0"/>
-              <a:t>MYSQL </a:t>
-            </a:r>
-            <a:r>
               <a:rPr lang="ko-KR" altLang="en-US" dirty="0" err="1"/>
               <a:t>조인쿼리</a:t>
             </a:r>
@@ -3371,13 +3367,12 @@
               <a:rPr lang="ko-KR" altLang="en-US" dirty="0"/>
               <a:t> </a:t>
             </a:r>
-            <a:r>
+            <a:br>
               <a:rPr lang="en-US" altLang="ko-KR" dirty="0"/>
-              <a:t>&amp; </a:t>
-            </a:r>
+            </a:br>
             <a:r>
               <a:rPr lang="en-US" altLang="ko-KR" dirty="0" err="1"/>
-              <a:t>GItLab</a:t>
+              <a:t>GItLabFlow</a:t>
             </a:r>
             <a:endParaRPr lang="ko-KR" altLang="en-US" dirty="0"/>
           </a:p>
@@ -3682,38 +3677,25 @@
                 <a:effectLst/>
                 <a:latin typeface="Noto Sans KR"/>
               </a:rPr>
-              <a:t>기준 테이블과 조인 테이블 모두 데이터가 존재해야 조회됨 </a:t>
-            </a:r>
-            <a:r>
-              <a:rPr lang="en-US" altLang="ko-KR" b="0" i="0" dirty="0">
+              <a:t>기준 테이블과 조인 테이블 모두 데이터가 존재해야 </a:t>
+            </a:r>
+            <a:r>
+              <a:rPr lang="ko-KR" altLang="en-US" b="0" i="0">
                 <a:solidFill>
                   <a:srgbClr val="222222"/>
                 </a:solidFill>
                 <a:effectLst/>
                 <a:latin typeface="Noto Sans KR"/>
               </a:rPr>
-              <a:t>(</a:t>
-            </a:r>
-            <a:r>
-              <a:rPr lang="ko-KR" altLang="en-US" b="0" i="0" dirty="0">
-                <a:solidFill>
-                  <a:srgbClr val="222222"/>
-                </a:solidFill>
-                <a:effectLst/>
-                <a:latin typeface="Noto Sans KR"/>
-              </a:rPr>
-              <a:t>가장 많이 사용됨</a:t>
-            </a:r>
-            <a:r>
-              <a:rPr lang="en-US" altLang="ko-KR" b="0" i="0" dirty="0">
-                <a:solidFill>
-                  <a:srgbClr val="222222"/>
-                </a:solidFill>
-                <a:effectLst/>
-                <a:latin typeface="Noto Sans KR"/>
-              </a:rPr>
-              <a:t>)</a:t>
-            </a:r>
+              <a:t>조회됨 </a:t>
+            </a:r>
+            <a:endParaRPr lang="en-US" altLang="ko-KR" b="0" i="0" dirty="0">
+              <a:solidFill>
+                <a:srgbClr val="222222"/>
+              </a:solidFill>
+              <a:effectLst/>
+              <a:latin typeface="Noto Sans KR"/>
+            </a:endParaRPr>
           </a:p>
           <a:p>
             <a:pPr marL="0" indent="0">
